--- a/doc/2018-inu-kotlin-02.pptx
+++ b/doc/2018-inu-kotlin-02.pptx
@@ -40,12 +40,12 @@
   <p:notesSz cx="6797675" cy="9926638"/>
   <p:embeddedFontLst>
     <p:embeddedFont>
-      <p:font typeface="맑은 고딕" panose="020B0503020000020004" pitchFamily="50" charset="-127"/>
+      <p:font typeface="나눔고딕" panose="020D0604000000000000" pitchFamily="50" charset="-127"/>
       <p:regular r:id="rId28"/>
       <p:bold r:id="rId29"/>
     </p:embeddedFont>
     <p:embeddedFont>
-      <p:font typeface="나눔고딕" panose="020D0604000000000000" pitchFamily="50" charset="-127"/>
+      <p:font typeface="맑은 고딕" panose="020B0503020000020004" pitchFamily="50" charset="-127"/>
       <p:regular r:id="rId30"/>
       <p:bold r:id="rId31"/>
     </p:embeddedFont>
@@ -331,7 +331,7 @@
             <a:fld id="{207F23D9-DF40-4811-9C78-A2E2A32398DD}" type="datetimeFigureOut">
               <a:rPr lang="ko-KR" altLang="en-US" smtClean="0"/>
               <a:pPr/>
-              <a:t>2018-07-02</a:t>
+              <a:t>2018-07-03</a:t>
             </a:fld>
             <a:endParaRPr lang="ko-KR" altLang="en-US"/>
           </a:p>
@@ -498,7 +498,7 @@
             <a:fld id="{F3AF6795-A612-454E-AF7A-9192B1BEBB13}" type="datetimeFigureOut">
               <a:rPr lang="ko-KR" altLang="en-US" smtClean="0"/>
               <a:pPr/>
-              <a:t>2018-07-02</a:t>
+              <a:t>2018-07-03</a:t>
             </a:fld>
             <a:endParaRPr lang="ko-KR" altLang="en-US"/>
           </a:p>
@@ -3313,7 +3313,7 @@
             <a:fld id="{8761FD00-3F21-42CF-9EF5-8F6D81CE3AFD}" type="datetimeFigureOut">
               <a:rPr lang="ko-KR" altLang="en-US" smtClean="0"/>
               <a:pPr/>
-              <a:t>2018-07-02</a:t>
+              <a:t>2018-07-03</a:t>
             </a:fld>
             <a:endParaRPr lang="ko-KR" altLang="en-US"/>
           </a:p>
@@ -4059,7 +4059,7 @@
             <a:fld id="{8761FD00-3F21-42CF-9EF5-8F6D81CE3AFD}" type="datetimeFigureOut">
               <a:rPr lang="ko-KR" altLang="en-US" smtClean="0"/>
               <a:pPr/>
-              <a:t>2018-07-02</a:t>
+              <a:t>2018-07-03</a:t>
             </a:fld>
             <a:endParaRPr lang="ko-KR" altLang="en-US"/>
           </a:p>
@@ -4379,7 +4379,7 @@
             <a:fld id="{8761FD00-3F21-42CF-9EF5-8F6D81CE3AFD}" type="datetimeFigureOut">
               <a:rPr lang="ko-KR" altLang="en-US" smtClean="0"/>
               <a:pPr/>
-              <a:t>2018-07-02</a:t>
+              <a:t>2018-07-03</a:t>
             </a:fld>
             <a:endParaRPr lang="ko-KR" altLang="en-US"/>
           </a:p>
@@ -4641,7 +4641,7 @@
             <a:fld id="{8761FD00-3F21-42CF-9EF5-8F6D81CE3AFD}" type="datetimeFigureOut">
               <a:rPr lang="ko-KR" altLang="en-US" smtClean="0"/>
               <a:pPr/>
-              <a:t>2018-07-02</a:t>
+              <a:t>2018-07-03</a:t>
             </a:fld>
             <a:endParaRPr lang="ko-KR" altLang="en-US"/>
           </a:p>
@@ -4874,7 +4874,7 @@
             <a:fld id="{8761FD00-3F21-42CF-9EF5-8F6D81CE3AFD}" type="datetimeFigureOut">
               <a:rPr lang="ko-KR" altLang="en-US" smtClean="0"/>
               <a:pPr/>
-              <a:t>2018-07-02</a:t>
+              <a:t>2018-07-03</a:t>
             </a:fld>
             <a:endParaRPr lang="ko-KR" altLang="en-US"/>
           </a:p>
@@ -5107,7 +5107,7 @@
             <a:fld id="{8761FD00-3F21-42CF-9EF5-8F6D81CE3AFD}" type="datetimeFigureOut">
               <a:rPr lang="ko-KR" altLang="en-US" smtClean="0"/>
               <a:pPr/>
-              <a:t>2018-07-02</a:t>
+              <a:t>2018-07-03</a:t>
             </a:fld>
             <a:endParaRPr lang="ko-KR" altLang="en-US"/>
           </a:p>
@@ -11699,15 +11699,6 @@
               </a:rPr>
               <a:t>(), interface1, interface2 {…}</a:t>
             </a:r>
-            <a:endParaRPr lang="en-US" altLang="ko-KR" b="1" dirty="0" smtClean="0">
-              <a:effectLst>
-                <a:outerShdw blurRad="38100" dist="38100" dir="2700000" algn="tl">
-                  <a:srgbClr val="000000">
-                    <a:alpha val="43137"/>
-                  </a:srgbClr>
-                </a:outerShdw>
-              </a:effectLst>
-            </a:endParaRPr>
           </a:p>
           <a:p>
             <a:pPr marL="285750" indent="-285750">
@@ -12344,10 +12335,10 @@
                   </a:outerShdw>
                 </a:effectLst>
               </a:rPr>
-              <a:t>interface class </a:t>
-            </a:r>
-            <a:r>
-              <a:rPr lang="en-US" altLang="ko-KR" sz="2400" b="1" dirty="0" err="1">
+              <a:t>interface </a:t>
+            </a:r>
+            <a:r>
+              <a:rPr lang="en-US" altLang="ko-KR" sz="2400" b="1" dirty="0" err="1" smtClean="0">
                 <a:effectLst>
                   <a:outerShdw blurRad="38100" dist="38100" dir="2700000" algn="tl">
                     <a:srgbClr val="000000">
@@ -12357,6 +12348,18 @@
                 </a:effectLst>
               </a:rPr>
               <a:t>ClassName</a:t>
+            </a:r>
+            <a:r>
+              <a:rPr lang="en-US" altLang="ko-KR" sz="2400" b="1" dirty="0" smtClean="0">
+                <a:effectLst>
+                  <a:outerShdw blurRad="38100" dist="38100" dir="2700000" algn="tl">
+                    <a:srgbClr val="000000">
+                      <a:alpha val="43137"/>
+                    </a:srgbClr>
+                  </a:outerShdw>
+                </a:effectLst>
+              </a:rPr>
+              <a:t> </a:t>
             </a:r>
             <a:r>
               <a:rPr lang="en-US" altLang="ko-KR" sz="2400" b="1" dirty="0">
@@ -12368,7 +12371,7 @@
                   </a:outerShdw>
                 </a:effectLst>
               </a:rPr>
-              <a:t> {…}</a:t>
+              <a:t>{…}</a:t>
             </a:r>
           </a:p>
           <a:p>
@@ -12984,15 +12987,6 @@
               </a:rPr>
               <a:t> {…}</a:t>
             </a:r>
-            <a:endParaRPr lang="en-US" altLang="ko-KR" sz="2400" b="1" dirty="0" smtClean="0">
-              <a:effectLst>
-                <a:outerShdw blurRad="38100" dist="38100" dir="2700000" algn="tl">
-                  <a:srgbClr val="000000">
-                    <a:alpha val="43137"/>
-                  </a:srgbClr>
-                </a:outerShdw>
-              </a:effectLst>
-            </a:endParaRPr>
           </a:p>
           <a:p>
             <a:pPr marL="285750" indent="-285750">
@@ -13089,11 +13083,7 @@
             </a:r>
             <a:r>
               <a:rPr lang="ko-KR" altLang="en-US" dirty="0" smtClean="0"/>
-              <a:t> </a:t>
-            </a:r>
-            <a:r>
-              <a:rPr lang="ko-KR" altLang="en-US" dirty="0" smtClean="0"/>
-              <a:t>가질 수 있음</a:t>
+              <a:t> 가질 수 있음</a:t>
             </a:r>
             <a:endParaRPr lang="en-US" altLang="ko-KR" dirty="0" smtClean="0"/>
           </a:p>
@@ -16670,11 +16660,7 @@
             </a:r>
             <a:r>
               <a:rPr lang="ko-KR" altLang="en-US" sz="1600" dirty="0" err="1" smtClean="0"/>
-              <a:t>인스턴스</a:t>
-            </a:r>
-            <a:r>
-              <a:rPr lang="ko-KR" altLang="en-US" sz="1600" dirty="0" err="1" smtClean="0"/>
-              <a:t>화</a:t>
+              <a:t>인스턴스화</a:t>
             </a:r>
             <a:r>
               <a:rPr lang="ko-KR" altLang="en-US" sz="1600" dirty="0" smtClean="0"/>
@@ -16967,19 +16953,7 @@
                 <a:latin typeface="+mn-ea"/>
                 <a:ea typeface="+mn-ea"/>
               </a:rPr>
-              <a:t> – </a:t>
-            </a:r>
-            <a:r>
-              <a:rPr lang="en-US" altLang="ko-KR" sz="3200" b="1" spc="-150" dirty="0" smtClean="0">
-                <a:solidFill>
-                  <a:schemeClr val="accent4">
-                    <a:lumMod val="50000"/>
-                  </a:schemeClr>
-                </a:solidFill>
-                <a:latin typeface="+mn-ea"/>
-                <a:ea typeface="+mn-ea"/>
-              </a:rPr>
-              <a:t>object - </a:t>
+              <a:t> – object - </a:t>
             </a:r>
             <a:r>
               <a:rPr lang="en-US" altLang="ko-KR" sz="3200" dirty="0" smtClean="0"/>
@@ -17833,19 +17807,7 @@
                   </a:outerShdw>
                 </a:effectLst>
               </a:rPr>
-              <a:t>object : </a:t>
-            </a:r>
-            <a:r>
-              <a:rPr lang="en-US" altLang="ko-KR" sz="2400" b="1" dirty="0" smtClean="0">
-                <a:effectLst>
-                  <a:outerShdw blurRad="38100" dist="38100" dir="2700000" algn="tl">
-                    <a:srgbClr val="000000">
-                      <a:alpha val="43137"/>
-                    </a:srgbClr>
-                  </a:outerShdw>
-                </a:effectLst>
-              </a:rPr>
-              <a:t>superclass() { … }</a:t>
+              <a:t>object : superclass() { … }</a:t>
             </a:r>
           </a:p>
           <a:p>
@@ -18743,10 +18705,6 @@
               <a:rPr lang="en-US" altLang="ko-KR" dirty="0"/>
               <a:t>constructor</a:t>
             </a:r>
-            <a:r>
-              <a:rPr lang="en-US" altLang="ko-KR" dirty="0"/>
-              <a:t/>
-            </a:r>
             <a:br>
               <a:rPr lang="en-US" altLang="ko-KR" dirty="0"/>
             </a:br>
@@ -18754,10 +18712,6 @@
               <a:rPr lang="en-US" altLang="ko-KR" dirty="0"/>
               <a:t>– getter/setter</a:t>
             </a:r>
-            <a:r>
-              <a:rPr lang="en-US" altLang="ko-KR" dirty="0"/>
-              <a:t/>
-            </a:r>
             <a:br>
               <a:rPr lang="en-US" altLang="ko-KR" dirty="0"/>
             </a:br>
@@ -18773,10 +18727,6 @@
               <a:rPr lang="en-US" altLang="ko-KR" dirty="0"/>
               <a:t>/equals</a:t>
             </a:r>
-            <a:r>
-              <a:rPr lang="en-US" altLang="ko-KR" dirty="0"/>
-              <a:t/>
-            </a:r>
             <a:br>
               <a:rPr lang="en-US" altLang="ko-KR" dirty="0"/>
             </a:br>
@@ -18806,10 +18756,6 @@
             <a:r>
               <a:rPr lang="en-US" altLang="ko-KR" dirty="0"/>
               <a:t>() functions</a:t>
-            </a:r>
-            <a:r>
-              <a:rPr lang="en-US" altLang="ko-KR" dirty="0"/>
-              <a:t/>
             </a:r>
             <a:br>
               <a:rPr lang="en-US" altLang="ko-KR" dirty="0"/>
@@ -22484,11 +22430,7 @@
             </a:r>
             <a:r>
               <a:rPr lang="ko-KR" altLang="en-US" dirty="0" smtClean="0"/>
-              <a:t>의 </a:t>
-            </a:r>
-            <a:r>
-              <a:rPr lang="ko-KR" altLang="en-US" dirty="0" smtClean="0"/>
-              <a:t>상수 객체 항목들</a:t>
+              <a:t>의 상수 객체 항목들</a:t>
             </a:r>
             <a:r>
               <a:rPr lang="en-US" altLang="ko-KR" dirty="0" smtClean="0"/>
@@ -22516,7 +22458,6 @@
               <a:rPr lang="en-US" altLang="ko-KR" dirty="0" smtClean="0"/>
               <a:t>. </a:t>
             </a:r>
-            <a:endParaRPr lang="en-US" altLang="ko-KR" dirty="0" smtClean="0"/>
           </a:p>
           <a:p>
             <a:pPr marL="285750" indent="-285750">
@@ -24427,9 +24368,6 @@
               </a:rPr>
               <a:t>: </a:t>
             </a:r>
-            <a:endParaRPr lang="en-US" altLang="ko-KR" sz="1400" dirty="0" smtClean="0">
-              <a:latin typeface="+mn-ea"/>
-            </a:endParaRPr>
           </a:p>
           <a:p>
             <a:endParaRPr lang="en-US" altLang="ko-KR" sz="1400" dirty="0" smtClean="0">
@@ -25697,7 +25635,6 @@
               <a:rPr lang="en-US" altLang="ko-KR" dirty="0" smtClean="0"/>
               <a:t>Class</a:t>
             </a:r>
-            <a:endParaRPr lang="en-US" altLang="ko-KR" dirty="0" smtClean="0"/>
           </a:p>
           <a:p>
             <a:pPr marL="285750" indent="-285750">
@@ -25798,11 +25735,7 @@
             </a:r>
             <a:r>
               <a:rPr lang="en-US" altLang="ko-KR" dirty="0" smtClean="0"/>
-              <a:t> </a:t>
-            </a:r>
-            <a:r>
-              <a:rPr lang="en-US" altLang="ko-KR" dirty="0" smtClean="0"/>
-              <a:t>(Delegate)</a:t>
+              <a:t> (Delegate)</a:t>
             </a:r>
             <a:endParaRPr lang="en-US" altLang="ko-KR" dirty="0"/>
           </a:p>
